--- a/baybox.pptx
+++ b/baybox.pptx
@@ -104,6 +104,22 @@
       </a:defRPr>
     </a:lvl9pPr>
   </p:defaultTextStyle>
+  <p:extLst>
+    <p:ext uri="{EFAFB233-063F-42B5-8137-9DF3F51BA10A}">
+      <p15:sldGuideLst xmlns:p15="http://schemas.microsoft.com/office/powerpoint/2012/main">
+        <p15:guide id="1" orient="horz" pos="2160">
+          <p15:clr>
+            <a:srgbClr val="A4A3A4"/>
+          </p15:clr>
+        </p15:guide>
+        <p15:guide id="2" pos="2880">
+          <p15:clr>
+            <a:srgbClr val="A4A3A4"/>
+          </p15:clr>
+        </p15:guide>
+      </p15:sldGuideLst>
+    </p:ext>
+  </p:extLst>
 </p:presentation>
 </file>
 
@@ -145,7 +161,7 @@
           <a:lstStyle/>
           <a:p>
             <a:r>
-              <a:rPr lang="de-DE" smtClean="0"/>
+              <a:rPr lang="de-DE"/>
               <a:t>Click to edit Master title style</a:t>
             </a:r>
             <a:endParaRPr lang="en-US"/>
@@ -264,7 +280,7 @@
           </a:lstStyle>
           <a:p>
             <a:r>
-              <a:rPr lang="de-DE" smtClean="0"/>
+              <a:rPr lang="de-DE"/>
               <a:t>Click to edit Master subtitle style</a:t>
             </a:r>
             <a:endParaRPr lang="en-US"/>
@@ -288,7 +304,7 @@
           <a:p>
             <a:fld id="{AB3E09D1-94C3-4A4C-A841-2092FF7FF108}" type="datetimeFigureOut">
               <a:rPr lang="en-US" smtClean="0"/>
-              <a:t>2/28/13</a:t>
+              <a:t>5/30/19</a:t>
             </a:fld>
             <a:endParaRPr lang="en-US"/>
           </a:p>
@@ -382,7 +398,7 @@
           <a:lstStyle/>
           <a:p>
             <a:r>
-              <a:rPr lang="de-DE" smtClean="0"/>
+              <a:rPr lang="de-DE"/>
               <a:t>Click to edit Master title style</a:t>
             </a:r>
             <a:endParaRPr lang="en-US"/>
@@ -406,35 +422,35 @@
           <a:p>
             <a:pPr lvl="0"/>
             <a:r>
-              <a:rPr lang="de-DE" smtClean="0"/>
+              <a:rPr lang="de-DE"/>
               <a:t>Click to edit Master text styles</a:t>
             </a:r>
           </a:p>
           <a:p>
             <a:pPr lvl="1"/>
             <a:r>
-              <a:rPr lang="de-DE" smtClean="0"/>
+              <a:rPr lang="de-DE"/>
               <a:t>Second level</a:t>
             </a:r>
           </a:p>
           <a:p>
             <a:pPr lvl="2"/>
             <a:r>
-              <a:rPr lang="de-DE" smtClean="0"/>
+              <a:rPr lang="de-DE"/>
               <a:t>Third level</a:t>
             </a:r>
           </a:p>
           <a:p>
             <a:pPr lvl="3"/>
             <a:r>
-              <a:rPr lang="de-DE" smtClean="0"/>
+              <a:rPr lang="de-DE"/>
               <a:t>Fourth level</a:t>
             </a:r>
           </a:p>
           <a:p>
             <a:pPr lvl="4"/>
             <a:r>
-              <a:rPr lang="de-DE" smtClean="0"/>
+              <a:rPr lang="de-DE"/>
               <a:t>Fifth level</a:t>
             </a:r>
             <a:endParaRPr lang="en-US"/>
@@ -458,7 +474,7 @@
           <a:p>
             <a:fld id="{AB3E09D1-94C3-4A4C-A841-2092FF7FF108}" type="datetimeFigureOut">
               <a:rPr lang="en-US" smtClean="0"/>
-              <a:t>3/3/13</a:t>
+              <a:t>5/30/19</a:t>
             </a:fld>
             <a:endParaRPr lang="en-US"/>
           </a:p>
@@ -557,7 +573,7 @@
           <a:lstStyle/>
           <a:p>
             <a:r>
-              <a:rPr lang="de-DE" smtClean="0"/>
+              <a:rPr lang="de-DE"/>
               <a:t>Click to edit Master title style</a:t>
             </a:r>
             <a:endParaRPr lang="en-US"/>
@@ -586,35 +602,35 @@
           <a:p>
             <a:pPr lvl="0"/>
             <a:r>
-              <a:rPr lang="de-DE" smtClean="0"/>
+              <a:rPr lang="de-DE"/>
               <a:t>Click to edit Master text styles</a:t>
             </a:r>
           </a:p>
           <a:p>
             <a:pPr lvl="1"/>
             <a:r>
-              <a:rPr lang="de-DE" smtClean="0"/>
+              <a:rPr lang="de-DE"/>
               <a:t>Second level</a:t>
             </a:r>
           </a:p>
           <a:p>
             <a:pPr lvl="2"/>
             <a:r>
-              <a:rPr lang="de-DE" smtClean="0"/>
+              <a:rPr lang="de-DE"/>
               <a:t>Third level</a:t>
             </a:r>
           </a:p>
           <a:p>
             <a:pPr lvl="3"/>
             <a:r>
-              <a:rPr lang="de-DE" smtClean="0"/>
+              <a:rPr lang="de-DE"/>
               <a:t>Fourth level</a:t>
             </a:r>
           </a:p>
           <a:p>
             <a:pPr lvl="4"/>
             <a:r>
-              <a:rPr lang="de-DE" smtClean="0"/>
+              <a:rPr lang="de-DE"/>
               <a:t>Fifth level</a:t>
             </a:r>
             <a:endParaRPr lang="en-US"/>
@@ -638,7 +654,7 @@
           <a:p>
             <a:fld id="{AB3E09D1-94C3-4A4C-A841-2092FF7FF108}" type="datetimeFigureOut">
               <a:rPr lang="en-US" smtClean="0"/>
-              <a:t>3/3/13</a:t>
+              <a:t>5/30/19</a:t>
             </a:fld>
             <a:endParaRPr lang="en-US"/>
           </a:p>
@@ -732,7 +748,7 @@
           <a:lstStyle/>
           <a:p>
             <a:r>
-              <a:rPr lang="de-DE" smtClean="0"/>
+              <a:rPr lang="de-DE"/>
               <a:t>Click to edit Master title style</a:t>
             </a:r>
             <a:endParaRPr lang="en-US"/>
@@ -756,35 +772,35 @@
           <a:p>
             <a:pPr lvl="0"/>
             <a:r>
-              <a:rPr lang="de-DE" smtClean="0"/>
+              <a:rPr lang="de-DE"/>
               <a:t>Click to edit Master text styles</a:t>
             </a:r>
           </a:p>
           <a:p>
             <a:pPr lvl="1"/>
             <a:r>
-              <a:rPr lang="de-DE" smtClean="0"/>
+              <a:rPr lang="de-DE"/>
               <a:t>Second level</a:t>
             </a:r>
           </a:p>
           <a:p>
             <a:pPr lvl="2"/>
             <a:r>
-              <a:rPr lang="de-DE" smtClean="0"/>
+              <a:rPr lang="de-DE"/>
               <a:t>Third level</a:t>
             </a:r>
           </a:p>
           <a:p>
             <a:pPr lvl="3"/>
             <a:r>
-              <a:rPr lang="de-DE" smtClean="0"/>
+              <a:rPr lang="de-DE"/>
               <a:t>Fourth level</a:t>
             </a:r>
           </a:p>
           <a:p>
             <a:pPr lvl="4"/>
             <a:r>
-              <a:rPr lang="de-DE" smtClean="0"/>
+              <a:rPr lang="de-DE"/>
               <a:t>Fifth level</a:t>
             </a:r>
             <a:endParaRPr lang="en-US"/>
@@ -808,7 +824,7 @@
           <a:p>
             <a:fld id="{AB3E09D1-94C3-4A4C-A841-2092FF7FF108}" type="datetimeFigureOut">
               <a:rPr lang="en-US" smtClean="0"/>
-              <a:t>3/3/13</a:t>
+              <a:t>5/30/19</a:t>
             </a:fld>
             <a:endParaRPr lang="en-US"/>
           </a:p>
@@ -911,7 +927,7 @@
           </a:lstStyle>
           <a:p>
             <a:r>
-              <a:rPr lang="de-DE" smtClean="0"/>
+              <a:rPr lang="de-DE"/>
               <a:t>Click to edit Master title style</a:t>
             </a:r>
             <a:endParaRPr lang="en-US"/>
@@ -1031,7 +1047,7 @@
           <a:p>
             <a:pPr lvl="0"/>
             <a:r>
-              <a:rPr lang="de-DE" smtClean="0"/>
+              <a:rPr lang="de-DE"/>
               <a:t>Click to edit Master text styles</a:t>
             </a:r>
           </a:p>
@@ -1054,7 +1070,7 @@
           <a:p>
             <a:fld id="{AB3E09D1-94C3-4A4C-A841-2092FF7FF108}" type="datetimeFigureOut">
               <a:rPr lang="en-US" smtClean="0"/>
-              <a:t>3/3/13</a:t>
+              <a:t>5/30/19</a:t>
             </a:fld>
             <a:endParaRPr lang="en-US"/>
           </a:p>
@@ -1148,7 +1164,7 @@
           <a:lstStyle/>
           <a:p>
             <a:r>
-              <a:rPr lang="de-DE" smtClean="0"/>
+              <a:rPr lang="de-DE"/>
               <a:t>Click to edit Master title style</a:t>
             </a:r>
             <a:endParaRPr lang="en-US"/>
@@ -1205,35 +1221,35 @@
           <a:p>
             <a:pPr lvl="0"/>
             <a:r>
-              <a:rPr lang="de-DE" smtClean="0"/>
+              <a:rPr lang="de-DE"/>
               <a:t>Click to edit Master text styles</a:t>
             </a:r>
           </a:p>
           <a:p>
             <a:pPr lvl="1"/>
             <a:r>
-              <a:rPr lang="de-DE" smtClean="0"/>
+              <a:rPr lang="de-DE"/>
               <a:t>Second level</a:t>
             </a:r>
           </a:p>
           <a:p>
             <a:pPr lvl="2"/>
             <a:r>
-              <a:rPr lang="de-DE" smtClean="0"/>
+              <a:rPr lang="de-DE"/>
               <a:t>Third level</a:t>
             </a:r>
           </a:p>
           <a:p>
             <a:pPr lvl="3"/>
             <a:r>
-              <a:rPr lang="de-DE" smtClean="0"/>
+              <a:rPr lang="de-DE"/>
               <a:t>Fourth level</a:t>
             </a:r>
           </a:p>
           <a:p>
             <a:pPr lvl="4"/>
             <a:r>
-              <a:rPr lang="de-DE" smtClean="0"/>
+              <a:rPr lang="de-DE"/>
               <a:t>Fifth level</a:t>
             </a:r>
             <a:endParaRPr lang="en-US"/>
@@ -1290,35 +1306,35 @@
           <a:p>
             <a:pPr lvl="0"/>
             <a:r>
-              <a:rPr lang="de-DE" smtClean="0"/>
+              <a:rPr lang="de-DE"/>
               <a:t>Click to edit Master text styles</a:t>
             </a:r>
           </a:p>
           <a:p>
             <a:pPr lvl="1"/>
             <a:r>
-              <a:rPr lang="de-DE" smtClean="0"/>
+              <a:rPr lang="de-DE"/>
               <a:t>Second level</a:t>
             </a:r>
           </a:p>
           <a:p>
             <a:pPr lvl="2"/>
             <a:r>
-              <a:rPr lang="de-DE" smtClean="0"/>
+              <a:rPr lang="de-DE"/>
               <a:t>Third level</a:t>
             </a:r>
           </a:p>
           <a:p>
             <a:pPr lvl="3"/>
             <a:r>
-              <a:rPr lang="de-DE" smtClean="0"/>
+              <a:rPr lang="de-DE"/>
               <a:t>Fourth level</a:t>
             </a:r>
           </a:p>
           <a:p>
             <a:pPr lvl="4"/>
             <a:r>
-              <a:rPr lang="de-DE" smtClean="0"/>
+              <a:rPr lang="de-DE"/>
               <a:t>Fifth level</a:t>
             </a:r>
             <a:endParaRPr lang="en-US"/>
@@ -1342,7 +1358,7 @@
           <a:p>
             <a:fld id="{AB3E09D1-94C3-4A4C-A841-2092FF7FF108}" type="datetimeFigureOut">
               <a:rPr lang="en-US" smtClean="0"/>
-              <a:t>3/3/13</a:t>
+              <a:t>5/30/19</a:t>
             </a:fld>
             <a:endParaRPr lang="en-US"/>
           </a:p>
@@ -1440,7 +1456,7 @@
           </a:lstStyle>
           <a:p>
             <a:r>
-              <a:rPr lang="de-DE" smtClean="0"/>
+              <a:rPr lang="de-DE"/>
               <a:t>Click to edit Master title style</a:t>
             </a:r>
             <a:endParaRPr lang="en-US"/>
@@ -1506,7 +1522,7 @@
           <a:p>
             <a:pPr lvl="0"/>
             <a:r>
-              <a:rPr lang="de-DE" smtClean="0"/>
+              <a:rPr lang="de-DE"/>
               <a:t>Click to edit Master text styles</a:t>
             </a:r>
           </a:p>
@@ -1562,35 +1578,35 @@
           <a:p>
             <a:pPr lvl="0"/>
             <a:r>
-              <a:rPr lang="de-DE" smtClean="0"/>
+              <a:rPr lang="de-DE"/>
               <a:t>Click to edit Master text styles</a:t>
             </a:r>
           </a:p>
           <a:p>
             <a:pPr lvl="1"/>
             <a:r>
-              <a:rPr lang="de-DE" smtClean="0"/>
+              <a:rPr lang="de-DE"/>
               <a:t>Second level</a:t>
             </a:r>
           </a:p>
           <a:p>
             <a:pPr lvl="2"/>
             <a:r>
-              <a:rPr lang="de-DE" smtClean="0"/>
+              <a:rPr lang="de-DE"/>
               <a:t>Third level</a:t>
             </a:r>
           </a:p>
           <a:p>
             <a:pPr lvl="3"/>
             <a:r>
-              <a:rPr lang="de-DE" smtClean="0"/>
+              <a:rPr lang="de-DE"/>
               <a:t>Fourth level</a:t>
             </a:r>
           </a:p>
           <a:p>
             <a:pPr lvl="4"/>
             <a:r>
-              <a:rPr lang="de-DE" smtClean="0"/>
+              <a:rPr lang="de-DE"/>
               <a:t>Fifth level</a:t>
             </a:r>
             <a:endParaRPr lang="en-US"/>
@@ -1656,7 +1672,7 @@
           <a:p>
             <a:pPr lvl="0"/>
             <a:r>
-              <a:rPr lang="de-DE" smtClean="0"/>
+              <a:rPr lang="de-DE"/>
               <a:t>Click to edit Master text styles</a:t>
             </a:r>
           </a:p>
@@ -1712,35 +1728,35 @@
           <a:p>
             <a:pPr lvl="0"/>
             <a:r>
-              <a:rPr lang="de-DE" smtClean="0"/>
+              <a:rPr lang="de-DE"/>
               <a:t>Click to edit Master text styles</a:t>
             </a:r>
           </a:p>
           <a:p>
             <a:pPr lvl="1"/>
             <a:r>
-              <a:rPr lang="de-DE" smtClean="0"/>
+              <a:rPr lang="de-DE"/>
               <a:t>Second level</a:t>
             </a:r>
           </a:p>
           <a:p>
             <a:pPr lvl="2"/>
             <a:r>
-              <a:rPr lang="de-DE" smtClean="0"/>
+              <a:rPr lang="de-DE"/>
               <a:t>Third level</a:t>
             </a:r>
           </a:p>
           <a:p>
             <a:pPr lvl="3"/>
             <a:r>
-              <a:rPr lang="de-DE" smtClean="0"/>
+              <a:rPr lang="de-DE"/>
               <a:t>Fourth level</a:t>
             </a:r>
           </a:p>
           <a:p>
             <a:pPr lvl="4"/>
             <a:r>
-              <a:rPr lang="de-DE" smtClean="0"/>
+              <a:rPr lang="de-DE"/>
               <a:t>Fifth level</a:t>
             </a:r>
             <a:endParaRPr lang="en-US"/>
@@ -1764,7 +1780,7 @@
           <a:p>
             <a:fld id="{AB3E09D1-94C3-4A4C-A841-2092FF7FF108}" type="datetimeFigureOut">
               <a:rPr lang="en-US" smtClean="0"/>
-              <a:t>3/3/13</a:t>
+              <a:t>5/30/19</a:t>
             </a:fld>
             <a:endParaRPr lang="en-US"/>
           </a:p>
@@ -1858,7 +1874,7 @@
           <a:lstStyle/>
           <a:p>
             <a:r>
-              <a:rPr lang="de-DE" smtClean="0"/>
+              <a:rPr lang="de-DE"/>
               <a:t>Click to edit Master title style</a:t>
             </a:r>
             <a:endParaRPr lang="en-US"/>
@@ -1882,7 +1898,7 @@
           <a:p>
             <a:fld id="{AB3E09D1-94C3-4A4C-A841-2092FF7FF108}" type="datetimeFigureOut">
               <a:rPr lang="en-US" smtClean="0"/>
-              <a:t>3/3/13</a:t>
+              <a:t>5/30/19</a:t>
             </a:fld>
             <a:endParaRPr lang="en-US"/>
           </a:p>
@@ -1977,7 +1993,7 @@
           <a:p>
             <a:fld id="{AB3E09D1-94C3-4A4C-A841-2092FF7FF108}" type="datetimeFigureOut">
               <a:rPr lang="en-US" smtClean="0"/>
-              <a:t>3/3/13</a:t>
+              <a:t>5/30/19</a:t>
             </a:fld>
             <a:endParaRPr lang="en-US"/>
           </a:p>
@@ -2080,7 +2096,7 @@
           </a:lstStyle>
           <a:p>
             <a:r>
-              <a:rPr lang="de-DE" smtClean="0"/>
+              <a:rPr lang="de-DE"/>
               <a:t>Click to edit Master title style</a:t>
             </a:r>
             <a:endParaRPr lang="en-US"/>
@@ -2137,35 +2153,35 @@
           <a:p>
             <a:pPr lvl="0"/>
             <a:r>
-              <a:rPr lang="de-DE" smtClean="0"/>
+              <a:rPr lang="de-DE"/>
               <a:t>Click to edit Master text styles</a:t>
             </a:r>
           </a:p>
           <a:p>
             <a:pPr lvl="1"/>
             <a:r>
-              <a:rPr lang="de-DE" smtClean="0"/>
+              <a:rPr lang="de-DE"/>
               <a:t>Second level</a:t>
             </a:r>
           </a:p>
           <a:p>
             <a:pPr lvl="2"/>
             <a:r>
-              <a:rPr lang="de-DE" smtClean="0"/>
+              <a:rPr lang="de-DE"/>
               <a:t>Third level</a:t>
             </a:r>
           </a:p>
           <a:p>
             <a:pPr lvl="3"/>
             <a:r>
-              <a:rPr lang="de-DE" smtClean="0"/>
+              <a:rPr lang="de-DE"/>
               <a:t>Fourth level</a:t>
             </a:r>
           </a:p>
           <a:p>
             <a:pPr lvl="4"/>
             <a:r>
-              <a:rPr lang="de-DE" smtClean="0"/>
+              <a:rPr lang="de-DE"/>
               <a:t>Fifth level</a:t>
             </a:r>
             <a:endParaRPr lang="en-US"/>
@@ -2231,7 +2247,7 @@
           <a:p>
             <a:pPr lvl="0"/>
             <a:r>
-              <a:rPr lang="de-DE" smtClean="0"/>
+              <a:rPr lang="de-DE"/>
               <a:t>Click to edit Master text styles</a:t>
             </a:r>
           </a:p>
@@ -2254,7 +2270,7 @@
           <a:p>
             <a:fld id="{AB3E09D1-94C3-4A4C-A841-2092FF7FF108}" type="datetimeFigureOut">
               <a:rPr lang="en-US" smtClean="0"/>
-              <a:t>3/3/13</a:t>
+              <a:t>5/30/19</a:t>
             </a:fld>
             <a:endParaRPr lang="en-US"/>
           </a:p>
@@ -2357,7 +2373,7 @@
           </a:lstStyle>
           <a:p>
             <a:r>
-              <a:rPr lang="de-DE" smtClean="0"/>
+              <a:rPr lang="de-DE"/>
               <a:t>Click to edit Master title style</a:t>
             </a:r>
             <a:endParaRPr lang="en-US"/>
@@ -2484,7 +2500,7 @@
           <a:p>
             <a:pPr lvl="0"/>
             <a:r>
-              <a:rPr lang="de-DE" smtClean="0"/>
+              <a:rPr lang="de-DE"/>
               <a:t>Click to edit Master text styles</a:t>
             </a:r>
           </a:p>
@@ -2507,7 +2523,7 @@
           <a:p>
             <a:fld id="{AB3E09D1-94C3-4A4C-A841-2092FF7FF108}" type="datetimeFigureOut">
               <a:rPr lang="en-US" smtClean="0"/>
-              <a:t>3/3/13</a:t>
+              <a:t>5/30/19</a:t>
             </a:fld>
             <a:endParaRPr lang="en-US"/>
           </a:p>
@@ -2616,7 +2632,7 @@
           <a:lstStyle/>
           <a:p>
             <a:r>
-              <a:rPr lang="de-DE" smtClean="0"/>
+              <a:rPr lang="de-DE"/>
               <a:t>Click to edit Master title style</a:t>
             </a:r>
             <a:endParaRPr lang="en-US"/>
@@ -2650,35 +2666,35 @@
           <a:p>
             <a:pPr lvl="0"/>
             <a:r>
-              <a:rPr lang="de-DE" smtClean="0"/>
+              <a:rPr lang="de-DE"/>
               <a:t>Click to edit Master text styles</a:t>
             </a:r>
           </a:p>
           <a:p>
             <a:pPr lvl="1"/>
             <a:r>
-              <a:rPr lang="de-DE" smtClean="0"/>
+              <a:rPr lang="de-DE"/>
               <a:t>Second level</a:t>
             </a:r>
           </a:p>
           <a:p>
             <a:pPr lvl="2"/>
             <a:r>
-              <a:rPr lang="de-DE" smtClean="0"/>
+              <a:rPr lang="de-DE"/>
               <a:t>Third level</a:t>
             </a:r>
           </a:p>
           <a:p>
             <a:pPr lvl="3"/>
             <a:r>
-              <a:rPr lang="de-DE" smtClean="0"/>
+              <a:rPr lang="de-DE"/>
               <a:t>Fourth level</a:t>
             </a:r>
           </a:p>
           <a:p>
             <a:pPr lvl="4"/>
             <a:r>
-              <a:rPr lang="de-DE" smtClean="0"/>
+              <a:rPr lang="de-DE"/>
               <a:t>Fifth level</a:t>
             </a:r>
             <a:endParaRPr lang="en-US"/>
@@ -2720,7 +2736,7 @@
           <a:p>
             <a:fld id="{AB3E09D1-94C3-4A4C-A841-2092FF7FF108}" type="datetimeFigureOut">
               <a:rPr lang="en-US" smtClean="0"/>
-              <a:t>2/28/13</a:t>
+              <a:t>5/30/19</a:t>
             </a:fld>
             <a:endParaRPr lang="en-US"/>
           </a:p>
@@ -3417,10 +3433,9 @@
           <a:lstStyle/>
           <a:p>
             <a:r>
-              <a:rPr lang="en-US" dirty="0" smtClean="0"/>
+              <a:rPr lang="en-US" dirty="0"/>
               <a:t>RC</a:t>
             </a:r>
-            <a:endParaRPr lang="en-US" dirty="0"/>
           </a:p>
         </p:txBody>
       </p:sp>
@@ -3447,10 +3462,9 @@
           <a:lstStyle/>
           <a:p>
             <a:r>
-              <a:rPr lang="en-US" dirty="0" smtClean="0"/>
+              <a:rPr lang="en-US" dirty="0"/>
               <a:t>BS</a:t>
             </a:r>
-            <a:endParaRPr lang="en-US" dirty="0"/>
           </a:p>
         </p:txBody>
       </p:sp>
@@ -3477,10 +3491,9 @@
           <a:lstStyle/>
           <a:p>
             <a:r>
-              <a:rPr lang="en-US" dirty="0" smtClean="0"/>
+              <a:rPr lang="en-US" dirty="0"/>
               <a:t>SB</a:t>
             </a:r>
-            <a:endParaRPr lang="en-US" dirty="0"/>
           </a:p>
         </p:txBody>
       </p:sp>
@@ -3507,10 +3520,9 @@
           <a:lstStyle/>
           <a:p>
             <a:r>
-              <a:rPr lang="en-US" dirty="0" smtClean="0"/>
+              <a:rPr lang="en-US" dirty="0"/>
               <a:t>SD</a:t>
             </a:r>
-            <a:endParaRPr lang="en-US" dirty="0"/>
           </a:p>
         </p:txBody>
       </p:sp>
@@ -3537,10 +3549,9 @@
           <a:lstStyle/>
           <a:p>
             <a:r>
-              <a:rPr lang="en-US" dirty="0" smtClean="0"/>
+              <a:rPr lang="en-US" dirty="0"/>
               <a:t>DS</a:t>
             </a:r>
-            <a:endParaRPr lang="en-US" dirty="0"/>
           </a:p>
         </p:txBody>
       </p:sp>
@@ -3567,31 +3578,31 @@
           <a:lstStyle/>
           <a:p>
             <a:r>
-              <a:rPr lang="en-US" dirty="0" smtClean="0"/>
+              <a:rPr lang="en-US" dirty="0"/>
               <a:t>V</a:t>
             </a:r>
             <a:r>
-              <a:rPr lang="en-US" baseline="-25000" dirty="0" smtClean="0"/>
+              <a:rPr lang="en-US" baseline="-25000" dirty="0"/>
               <a:t>B </a:t>
             </a:r>
             <a:r>
-              <a:rPr lang="en-US" dirty="0" smtClean="0"/>
+              <a:rPr lang="en-US" dirty="0"/>
               <a:t>= 1 x 10</a:t>
             </a:r>
             <a:r>
-              <a:rPr lang="en-US" baseline="30000" dirty="0" smtClean="0"/>
+              <a:rPr lang="en-US" baseline="30000" dirty="0"/>
               <a:t>12</a:t>
             </a:r>
             <a:r>
-              <a:rPr lang="en-US" dirty="0" smtClean="0"/>
+              <a:rPr lang="en-US" dirty="0"/>
               <a:t> m</a:t>
             </a:r>
             <a:r>
-              <a:rPr lang="en-US" baseline="30000" dirty="0" smtClean="0"/>
+              <a:rPr lang="en-US" baseline="30000" dirty="0"/>
               <a:t>3</a:t>
             </a:r>
             <a:r>
-              <a:rPr lang="en-US" dirty="0" smtClean="0"/>
+              <a:rPr lang="en-US" dirty="0"/>
               <a:t> </a:t>
             </a:r>
             <a:endParaRPr lang="en-US" baseline="-25000" dirty="0"/>
@@ -3621,35 +3632,31 @@
           <a:lstStyle/>
           <a:p>
             <a:r>
-              <a:rPr lang="en-US" dirty="0" smtClean="0"/>
+              <a:rPr lang="en-US" dirty="0"/>
               <a:t>V</a:t>
             </a:r>
             <a:r>
               <a:rPr lang="en-US" baseline="-25000" dirty="0"/>
-              <a:t>S</a:t>
-            </a:r>
-            <a:r>
-              <a:rPr lang="en-US" baseline="-25000" dirty="0" smtClean="0"/>
-              <a:t> </a:t>
-            </a:r>
-            <a:r>
-              <a:rPr lang="en-US" dirty="0" smtClean="0"/>
+              <a:t>S </a:t>
+            </a:r>
+            <a:r>
+              <a:rPr lang="en-US" dirty="0"/>
               <a:t>= 1.5 x 10</a:t>
             </a:r>
             <a:r>
-              <a:rPr lang="en-US" baseline="30000" dirty="0" smtClean="0"/>
+              <a:rPr lang="en-US" baseline="30000" dirty="0"/>
               <a:t>17</a:t>
             </a:r>
             <a:r>
-              <a:rPr lang="en-US" dirty="0" smtClean="0"/>
+              <a:rPr lang="en-US" dirty="0"/>
               <a:t> m</a:t>
             </a:r>
             <a:r>
-              <a:rPr lang="en-US" baseline="30000" dirty="0" smtClean="0"/>
+              <a:rPr lang="en-US" baseline="30000" dirty="0"/>
               <a:t>3</a:t>
             </a:r>
             <a:r>
-              <a:rPr lang="en-US" dirty="0" smtClean="0"/>
+              <a:rPr lang="en-US" dirty="0"/>
               <a:t> </a:t>
             </a:r>
             <a:endParaRPr lang="en-US" baseline="-25000" dirty="0"/>
@@ -3679,31 +3686,31 @@
           <a:lstStyle/>
           <a:p>
             <a:r>
-              <a:rPr lang="en-US" dirty="0" smtClean="0"/>
+              <a:rPr lang="en-US" dirty="0"/>
               <a:t>V</a:t>
             </a:r>
             <a:r>
-              <a:rPr lang="en-US" baseline="-25000" dirty="0" smtClean="0"/>
+              <a:rPr lang="en-US" baseline="-25000" dirty="0"/>
               <a:t>D </a:t>
             </a:r>
             <a:r>
-              <a:rPr lang="en-US" dirty="0" smtClean="0"/>
+              <a:rPr lang="en-US" dirty="0"/>
               <a:t>= 12 x 10</a:t>
             </a:r>
             <a:r>
-              <a:rPr lang="en-US" baseline="30000" dirty="0" smtClean="0"/>
+              <a:rPr lang="en-US" baseline="30000" dirty="0"/>
               <a:t>17</a:t>
             </a:r>
             <a:r>
-              <a:rPr lang="en-US" dirty="0" smtClean="0"/>
+              <a:rPr lang="en-US" dirty="0"/>
               <a:t> m</a:t>
             </a:r>
             <a:r>
-              <a:rPr lang="en-US" baseline="30000" dirty="0" smtClean="0"/>
+              <a:rPr lang="en-US" baseline="30000" dirty="0"/>
               <a:t>3</a:t>
             </a:r>
             <a:r>
-              <a:rPr lang="en-US" dirty="0" smtClean="0"/>
+              <a:rPr lang="en-US" dirty="0"/>
               <a:t> </a:t>
             </a:r>
             <a:endParaRPr lang="en-US" baseline="-25000" dirty="0"/>
@@ -3718,8 +3725,8 @@
         </p:nvSpPr>
         <p:spPr>
           <a:xfrm>
-            <a:off x="1539002" y="2846107"/>
-            <a:ext cx="1968057" cy="1015663"/>
+            <a:off x="720942" y="2761626"/>
+            <a:ext cx="2553712" cy="1323439"/>
           </a:xfrm>
           <a:prstGeom prst="rect">
             <a:avLst/>
@@ -3733,34 +3740,33 @@
           <a:lstStyle/>
           <a:p>
             <a:r>
-              <a:rPr lang="en-US" sz="1200" dirty="0" smtClean="0"/>
+              <a:rPr lang="en-US" sz="1600" dirty="0"/>
               <a:t>RC  riverine carbon</a:t>
             </a:r>
           </a:p>
           <a:p>
             <a:r>
-              <a:rPr lang="en-US" sz="1200" dirty="0" smtClean="0"/>
+              <a:rPr lang="en-US" sz="1600" dirty="0"/>
               <a:t>BS  bay to surface ocean flux</a:t>
             </a:r>
           </a:p>
           <a:p>
             <a:r>
-              <a:rPr lang="en-US" sz="1200" dirty="0" smtClean="0"/>
+              <a:rPr lang="en-US" sz="1600" dirty="0"/>
               <a:t>SB  surface ocean to bay flux</a:t>
             </a:r>
           </a:p>
           <a:p>
             <a:r>
-              <a:rPr lang="en-US" sz="1200" dirty="0" smtClean="0"/>
+              <a:rPr lang="en-US" sz="1600" dirty="0"/>
               <a:t>SD  surface to deep flux</a:t>
             </a:r>
           </a:p>
           <a:p>
             <a:r>
-              <a:rPr lang="en-US" sz="1200" dirty="0" smtClean="0"/>
+              <a:rPr lang="en-US" sz="1600" dirty="0"/>
               <a:t>DS  deep to surface flux</a:t>
             </a:r>
-            <a:endParaRPr lang="en-US" sz="1200" dirty="0"/>
           </a:p>
         </p:txBody>
       </p:sp>
